--- a/精雕实验室/精雕加工45分钟教案/精雕讲座教学大纲.pptx
+++ b/精雕实验室/精雕加工45分钟教案/精雕讲座教学大纲.pptx
@@ -256,7 +256,7 @@
           <a:p>
             <a:fld id="{0DD32FBC-0607-4357-B587-08A94433C26E}" type="datetimeFigureOut">
               <a:rPr lang="zh-CN" altLang="en-US" smtClean="0"/>
-              <a:t>2014/6/13</a:t>
+              <a:t>2014/6/19</a:t>
             </a:fld>
             <a:endParaRPr lang="zh-CN" altLang="en-US"/>
           </a:p>
@@ -426,7 +426,7 @@
           <a:p>
             <a:fld id="{0DD32FBC-0607-4357-B587-08A94433C26E}" type="datetimeFigureOut">
               <a:rPr lang="zh-CN" altLang="en-US" smtClean="0"/>
-              <a:t>2014/6/13</a:t>
+              <a:t>2014/6/19</a:t>
             </a:fld>
             <a:endParaRPr lang="zh-CN" altLang="en-US"/>
           </a:p>
@@ -606,7 +606,7 @@
           <a:p>
             <a:fld id="{0DD32FBC-0607-4357-B587-08A94433C26E}" type="datetimeFigureOut">
               <a:rPr lang="zh-CN" altLang="en-US" smtClean="0"/>
-              <a:t>2014/6/13</a:t>
+              <a:t>2014/6/19</a:t>
             </a:fld>
             <a:endParaRPr lang="zh-CN" altLang="en-US"/>
           </a:p>
@@ -805,7 +805,7 @@
           <a:p>
             <a:fld id="{0DD32FBC-0607-4357-B587-08A94433C26E}" type="datetimeFigureOut">
               <a:rPr lang="zh-CN" altLang="en-US" smtClean="0"/>
-              <a:t>2014/6/13</a:t>
+              <a:t>2014/6/19</a:t>
             </a:fld>
             <a:endParaRPr lang="zh-CN" altLang="en-US"/>
           </a:p>
@@ -1049,7 +1049,7 @@
           <a:p>
             <a:fld id="{0DD32FBC-0607-4357-B587-08A94433C26E}" type="datetimeFigureOut">
               <a:rPr lang="zh-CN" altLang="en-US" smtClean="0"/>
-              <a:t>2014/6/13</a:t>
+              <a:t>2014/6/19</a:t>
             </a:fld>
             <a:endParaRPr lang="zh-CN" altLang="en-US"/>
           </a:p>
@@ -1281,7 +1281,7 @@
           <a:p>
             <a:fld id="{0DD32FBC-0607-4357-B587-08A94433C26E}" type="datetimeFigureOut">
               <a:rPr lang="zh-CN" altLang="en-US" smtClean="0"/>
-              <a:t>2014/6/13</a:t>
+              <a:t>2014/6/19</a:t>
             </a:fld>
             <a:endParaRPr lang="zh-CN" altLang="en-US"/>
           </a:p>
@@ -1648,7 +1648,7 @@
           <a:p>
             <a:fld id="{0DD32FBC-0607-4357-B587-08A94433C26E}" type="datetimeFigureOut">
               <a:rPr lang="zh-CN" altLang="en-US" smtClean="0"/>
-              <a:t>2014/6/13</a:t>
+              <a:t>2014/6/19</a:t>
             </a:fld>
             <a:endParaRPr lang="zh-CN" altLang="en-US"/>
           </a:p>
@@ -1766,7 +1766,7 @@
           <a:p>
             <a:fld id="{0DD32FBC-0607-4357-B587-08A94433C26E}" type="datetimeFigureOut">
               <a:rPr lang="zh-CN" altLang="en-US" smtClean="0"/>
-              <a:t>2014/6/13</a:t>
+              <a:t>2014/6/19</a:t>
             </a:fld>
             <a:endParaRPr lang="zh-CN" altLang="en-US"/>
           </a:p>
@@ -1861,7 +1861,7 @@
           <a:p>
             <a:fld id="{0DD32FBC-0607-4357-B587-08A94433C26E}" type="datetimeFigureOut">
               <a:rPr lang="zh-CN" altLang="en-US" smtClean="0"/>
-              <a:t>2014/6/13</a:t>
+              <a:t>2014/6/19</a:t>
             </a:fld>
             <a:endParaRPr lang="zh-CN" altLang="en-US"/>
           </a:p>
@@ -2138,7 +2138,7 @@
           <a:p>
             <a:fld id="{0DD32FBC-0607-4357-B587-08A94433C26E}" type="datetimeFigureOut">
               <a:rPr lang="zh-CN" altLang="en-US" smtClean="0"/>
-              <a:t>2014/6/13</a:t>
+              <a:t>2014/6/19</a:t>
             </a:fld>
             <a:endParaRPr lang="zh-CN" altLang="en-US"/>
           </a:p>
@@ -2395,7 +2395,7 @@
           <a:p>
             <a:fld id="{0DD32FBC-0607-4357-B587-08A94433C26E}" type="datetimeFigureOut">
               <a:rPr lang="zh-CN" altLang="en-US" smtClean="0"/>
-              <a:t>2014/6/13</a:t>
+              <a:t>2014/6/19</a:t>
             </a:fld>
             <a:endParaRPr lang="zh-CN" altLang="en-US"/>
           </a:p>
@@ -2608,7 +2608,7 @@
           <a:p>
             <a:fld id="{0DD32FBC-0607-4357-B587-08A94433C26E}" type="datetimeFigureOut">
               <a:rPr lang="zh-CN" altLang="en-US" smtClean="0"/>
-              <a:t>2014/6/13</a:t>
+              <a:t>2014/6/19</a:t>
             </a:fld>
             <a:endParaRPr lang="zh-CN" altLang="en-US"/>
           </a:p>
@@ -3732,46 +3732,30 @@
           <a:p>
             <a:r>
               <a:rPr lang="zh-CN" altLang="en-US" dirty="0" smtClean="0"/>
-              <a:t>基本操作</a:t>
-            </a:r>
+              <a:t>基本操作流程（日常标准操作流程）</a:t>
+            </a:r>
+            <a:endParaRPr lang="zh-CN" altLang="en-US" dirty="0"/>
+          </a:p>
+        </p:txBody>
+      </p:sp>
+      <p:sp>
+        <p:nvSpPr>
+          <p:cNvPr id="5" name="Content Placeholder 4"/>
+          <p:cNvSpPr>
+            <a:spLocks noGrp="1"/>
+          </p:cNvSpPr>
+          <p:nvPr>
+            <p:ph idx="1"/>
+          </p:nvPr>
+        </p:nvSpPr>
+        <p:spPr/>
+        <p:txBody>
+          <a:bodyPr/>
+          <a:lstStyle/>
+          <a:p>
             <a:r>
               <a:rPr lang="zh-CN" altLang="en-US" dirty="0" smtClean="0"/>
-              <a:t>流程（日常标准操作流程）</a:t>
-            </a:r>
-            <a:endParaRPr lang="zh-CN" altLang="en-US" dirty="0"/>
-          </a:p>
-        </p:txBody>
-      </p:sp>
-      <p:sp>
-        <p:nvSpPr>
-          <p:cNvPr id="5" name="Content Placeholder 4"/>
-          <p:cNvSpPr>
-            <a:spLocks noGrp="1"/>
-          </p:cNvSpPr>
-          <p:nvPr>
-            <p:ph idx="1"/>
-          </p:nvPr>
-        </p:nvSpPr>
-        <p:spPr/>
-        <p:txBody>
-          <a:bodyPr/>
-          <a:lstStyle/>
-          <a:p>
-            <a:r>
-              <a:rPr lang="zh-CN" altLang="en-US" dirty="0" smtClean="0"/>
-              <a:t>机床</a:t>
-            </a:r>
-            <a:r>
-              <a:rPr lang="zh-CN" altLang="en-US" dirty="0" smtClean="0"/>
-              <a:t>外部橙红色旋钮</a:t>
-            </a:r>
-            <a:r>
-              <a:rPr lang="zh-CN" altLang="en-US" dirty="0" smtClean="0"/>
-              <a:t>电源上</a:t>
-            </a:r>
-            <a:r>
-              <a:rPr lang="zh-CN" altLang="en-US" dirty="0" smtClean="0"/>
-              <a:t>电</a:t>
+              <a:t>机床外部橙红色旋钮电源上电</a:t>
             </a:r>
             <a:endParaRPr lang="en-US" altLang="zh-CN" dirty="0" smtClean="0"/>
           </a:p>
@@ -3902,11 +3886,11 @@
   <p:clrMapOvr>
     <a:masterClrMapping/>
   </p:clrMapOvr>
-  <mc:AlternateContent xmlns:mc="http://schemas.openxmlformats.org/markup-compatibility/2006">
-    <mc:Choice xmlns:p14="http://schemas.microsoft.com/office/powerpoint/2010/main" Requires="p14">
+  <mc:AlternateContent xmlns:mc="http://schemas.openxmlformats.org/markup-compatibility/2006" xmlns:p14="http://schemas.microsoft.com/office/powerpoint/2010/main">
+    <mc:Choice Requires="p14">
       <p:transition spd="slow" p14:dur="2000"/>
     </mc:Choice>
-    <mc:Fallback>
+    <mc:Fallback xmlns="">
       <p:transition spd="slow"/>
     </mc:Fallback>
   </mc:AlternateContent>
@@ -4030,40 +4014,87 @@
                 <a:latin typeface="Arial" panose="020B0604020202020204" pitchFamily="34" charset="0"/>
                 <a:cs typeface="Arial" panose="020B0604020202020204" pitchFamily="34" charset="0"/>
               </a:rPr>
-              <a:t>iPhone </a:t>
+              <a:t>iPhone 5S</a:t>
+            </a:r>
+            <a:r>
+              <a:rPr lang="zh-CN" altLang="en-US" dirty="0" smtClean="0">
+                <a:latin typeface="Arial" panose="020B0604020202020204" pitchFamily="34" charset="0"/>
+                <a:cs typeface="Arial" panose="020B0604020202020204" pitchFamily="34" charset="0"/>
+              </a:rPr>
+              <a:t>、涡轮叶片</a:t>
             </a:r>
             <a:r>
               <a:rPr lang="en-US" altLang="zh-CN" dirty="0" smtClean="0">
                 <a:latin typeface="Arial" panose="020B0604020202020204" pitchFamily="34" charset="0"/>
                 <a:cs typeface="Arial" panose="020B0604020202020204" pitchFamily="34" charset="0"/>
               </a:rPr>
-              <a:t>5S</a:t>
-            </a:r>
+              <a:t>	5’</a:t>
+            </a:r>
+          </a:p>
+          <a:p>
+            <a:pPr lvl="2"/>
             <a:r>
               <a:rPr lang="zh-CN" altLang="en-US" dirty="0" smtClean="0">
                 <a:latin typeface="Arial" panose="020B0604020202020204" pitchFamily="34" charset="0"/>
                 <a:cs typeface="Arial" panose="020B0604020202020204" pitchFamily="34" charset="0"/>
               </a:rPr>
-              <a:t>、涡轮叶片</a:t>
+              <a:t>精雕机结构及原理</a:t>
             </a:r>
             <a:r>
               <a:rPr lang="en-US" altLang="zh-CN" dirty="0" smtClean="0">
                 <a:latin typeface="Arial" panose="020B0604020202020204" pitchFamily="34" charset="0"/>
                 <a:cs typeface="Arial" panose="020B0604020202020204" pitchFamily="34" charset="0"/>
               </a:rPr>
-              <a:t>	</a:t>
+              <a:t>		5’</a:t>
+            </a:r>
+          </a:p>
+          <a:p>
+            <a:pPr lvl="2"/>
+            <a:r>
+              <a:rPr lang="zh-CN" altLang="en-US" dirty="0">
+                <a:latin typeface="Arial" panose="020B0604020202020204" pitchFamily="34" charset="0"/>
+                <a:cs typeface="Arial" panose="020B0604020202020204" pitchFamily="34" charset="0"/>
+              </a:rPr>
+              <a:t>精雕</a:t>
+            </a:r>
+            <a:r>
+              <a:rPr lang="zh-CN" altLang="en-US" dirty="0" smtClean="0">
+                <a:latin typeface="Arial" panose="020B0604020202020204" pitchFamily="34" charset="0"/>
+                <a:cs typeface="Arial" panose="020B0604020202020204" pitchFamily="34" charset="0"/>
+              </a:rPr>
+              <a:t>机安全操作规程</a:t>
             </a:r>
             <a:r>
               <a:rPr lang="en-US" altLang="zh-CN" dirty="0" smtClean="0">
                 <a:latin typeface="Arial" panose="020B0604020202020204" pitchFamily="34" charset="0"/>
                 <a:cs typeface="Arial" panose="020B0604020202020204" pitchFamily="34" charset="0"/>
               </a:rPr>
-              <a:t>5’</a:t>
-            </a:r>
-            <a:endParaRPr lang="en-US" altLang="zh-CN" dirty="0" smtClean="0">
-              <a:latin typeface="Arial" panose="020B0604020202020204" pitchFamily="34" charset="0"/>
-              <a:cs typeface="Arial" panose="020B0604020202020204" pitchFamily="34" charset="0"/>
-            </a:endParaRPr>
+              <a:t>		2’</a:t>
+            </a:r>
+          </a:p>
+          <a:p>
+            <a:pPr lvl="1"/>
+            <a:r>
+              <a:rPr lang="zh-CN" altLang="en-US" dirty="0">
+                <a:latin typeface="Arial" panose="020B0604020202020204" pitchFamily="34" charset="0"/>
+                <a:cs typeface="Arial" panose="020B0604020202020204" pitchFamily="34" charset="0"/>
+              </a:rPr>
+              <a:t>精雕</a:t>
+            </a:r>
+            <a:r>
+              <a:rPr lang="zh-CN" altLang="en-US" dirty="0" smtClean="0">
+                <a:latin typeface="Arial" panose="020B0604020202020204" pitchFamily="34" charset="0"/>
+                <a:cs typeface="Arial" panose="020B0604020202020204" pitchFamily="34" charset="0"/>
+              </a:rPr>
+              <a:t>机加工流程</a:t>
+            </a:r>
+            <a:r>
+              <a:rPr lang="en-US" altLang="zh-CN" dirty="0" smtClean="0">
+                <a:latin typeface="Arial" panose="020B0604020202020204" pitchFamily="34" charset="0"/>
+                <a:cs typeface="Arial" panose="020B0604020202020204" pitchFamily="34" charset="0"/>
+              </a:rPr>
+              <a:t>		33’</a:t>
+            </a:r>
           </a:p>
           <a:p>
             <a:pPr lvl="2"/>
@@ -4072,73 +4103,59 @@
                 <a:latin typeface="Arial" panose="020B0604020202020204" pitchFamily="34" charset="0"/>
                 <a:cs typeface="Arial" panose="020B0604020202020204" pitchFamily="34" charset="0"/>
               </a:rPr>
-              <a:t>精雕机结构及原理</a:t>
+              <a:t>零件设计</a:t>
             </a:r>
             <a:r>
               <a:rPr lang="en-US" altLang="zh-CN" dirty="0" smtClean="0">
                 <a:latin typeface="Arial" panose="020B0604020202020204" pitchFamily="34" charset="0"/>
                 <a:cs typeface="Arial" panose="020B0604020202020204" pitchFamily="34" charset="0"/>
               </a:rPr>
-              <a:t>		5</a:t>
+              <a:t>——</a:t>
+            </a:r>
+            <a:r>
+              <a:rPr lang="zh-CN" altLang="en-US" dirty="0" smtClean="0">
+                <a:latin typeface="Arial" panose="020B0604020202020204" pitchFamily="34" charset="0"/>
+                <a:cs typeface="Arial" panose="020B0604020202020204" pitchFamily="34" charset="0"/>
+              </a:rPr>
+              <a:t>建模、生成刀路</a:t>
             </a:r>
             <a:r>
               <a:rPr lang="en-US" altLang="zh-CN" dirty="0" smtClean="0">
                 <a:latin typeface="Arial" panose="020B0604020202020204" pitchFamily="34" charset="0"/>
                 <a:cs typeface="Arial" panose="020B0604020202020204" pitchFamily="34" charset="0"/>
               </a:rPr>
-              <a:t>’</a:t>
+              <a:t>	4’</a:t>
             </a:r>
           </a:p>
           <a:p>
             <a:pPr lvl="2"/>
             <a:r>
-              <a:rPr lang="zh-CN" altLang="en-US" dirty="0">
-                <a:latin typeface="Arial" panose="020B0604020202020204" pitchFamily="34" charset="0"/>
-                <a:cs typeface="Arial" panose="020B0604020202020204" pitchFamily="34" charset="0"/>
-              </a:rPr>
-              <a:t>精雕</a:t>
-            </a:r>
-            <a:r>
               <a:rPr lang="zh-CN" altLang="en-US" dirty="0" smtClean="0">
                 <a:latin typeface="Arial" panose="020B0604020202020204" pitchFamily="34" charset="0"/>
                 <a:cs typeface="Arial" panose="020B0604020202020204" pitchFamily="34" charset="0"/>
               </a:rPr>
-              <a:t>机安全操作规程</a:t>
+              <a:t>数据传输</a:t>
             </a:r>
             <a:r>
               <a:rPr lang="en-US" altLang="zh-CN" dirty="0" smtClean="0">
                 <a:latin typeface="Arial" panose="020B0604020202020204" pitchFamily="34" charset="0"/>
                 <a:cs typeface="Arial" panose="020B0604020202020204" pitchFamily="34" charset="0"/>
               </a:rPr>
-              <a:t>		2’</a:t>
-            </a:r>
-            <a:endParaRPr lang="en-US" altLang="zh-CN" dirty="0" smtClean="0">
-              <a:latin typeface="Arial" panose="020B0604020202020204" pitchFamily="34" charset="0"/>
-              <a:cs typeface="Arial" panose="020B0604020202020204" pitchFamily="34" charset="0"/>
-            </a:endParaRPr>
-          </a:p>
-          <a:p>
-            <a:pPr lvl="1"/>
-            <a:r>
-              <a:rPr lang="zh-CN" altLang="en-US" dirty="0">
-                <a:latin typeface="Arial" panose="020B0604020202020204" pitchFamily="34" charset="0"/>
-                <a:cs typeface="Arial" panose="020B0604020202020204" pitchFamily="34" charset="0"/>
-              </a:rPr>
-              <a:t>精雕</a:t>
+              <a:t>——</a:t>
             </a:r>
             <a:r>
               <a:rPr lang="zh-CN" altLang="en-US" dirty="0" smtClean="0">
                 <a:latin typeface="Arial" panose="020B0604020202020204" pitchFamily="34" charset="0"/>
                 <a:cs typeface="Arial" panose="020B0604020202020204" pitchFamily="34" charset="0"/>
               </a:rPr>
-              <a:t>机加工流程</a:t>
+              <a:t>网络化现场管理</a:t>
             </a:r>
             <a:r>
               <a:rPr lang="en-US" altLang="zh-CN" dirty="0" smtClean="0">
                 <a:latin typeface="Arial" panose="020B0604020202020204" pitchFamily="34" charset="0"/>
                 <a:cs typeface="Arial" panose="020B0604020202020204" pitchFamily="34" charset="0"/>
               </a:rPr>
-              <a:t>		33’</a:t>
+              <a:t>	3’</a:t>
             </a:r>
           </a:p>
           <a:p>
@@ -4148,97 +4165,7 @@
                 <a:latin typeface="Arial" panose="020B0604020202020204" pitchFamily="34" charset="0"/>
                 <a:cs typeface="Arial" panose="020B0604020202020204" pitchFamily="34" charset="0"/>
               </a:rPr>
-              <a:t>零件</a:t>
-            </a:r>
-            <a:r>
-              <a:rPr lang="zh-CN" altLang="en-US" dirty="0" smtClean="0">
-                <a:latin typeface="Arial" panose="020B0604020202020204" pitchFamily="34" charset="0"/>
-                <a:cs typeface="Arial" panose="020B0604020202020204" pitchFamily="34" charset="0"/>
-              </a:rPr>
-              <a:t>设计</a:t>
-            </a:r>
-            <a:r>
-              <a:rPr lang="en-US" altLang="zh-CN" dirty="0" smtClean="0">
-                <a:latin typeface="Arial" panose="020B0604020202020204" pitchFamily="34" charset="0"/>
-                <a:cs typeface="Arial" panose="020B0604020202020204" pitchFamily="34" charset="0"/>
-              </a:rPr>
-              <a:t>——</a:t>
-            </a:r>
-            <a:r>
-              <a:rPr lang="zh-CN" altLang="en-US" dirty="0" smtClean="0">
-                <a:latin typeface="Arial" panose="020B0604020202020204" pitchFamily="34" charset="0"/>
-                <a:cs typeface="Arial" panose="020B0604020202020204" pitchFamily="34" charset="0"/>
-              </a:rPr>
-              <a:t>建模、生成刀路</a:t>
-            </a:r>
-            <a:r>
-              <a:rPr lang="en-US" altLang="zh-CN" dirty="0" smtClean="0">
-                <a:latin typeface="Arial" panose="020B0604020202020204" pitchFamily="34" charset="0"/>
-                <a:cs typeface="Arial" panose="020B0604020202020204" pitchFamily="34" charset="0"/>
-              </a:rPr>
-              <a:t>	4</a:t>
-            </a:r>
-            <a:r>
-              <a:rPr lang="en-US" altLang="zh-CN" dirty="0" smtClean="0">
-                <a:latin typeface="Arial" panose="020B0604020202020204" pitchFamily="34" charset="0"/>
-                <a:cs typeface="Arial" panose="020B0604020202020204" pitchFamily="34" charset="0"/>
-              </a:rPr>
-              <a:t>’</a:t>
-            </a:r>
-          </a:p>
-          <a:p>
-            <a:pPr lvl="2"/>
-            <a:r>
-              <a:rPr lang="zh-CN" altLang="en-US" dirty="0" smtClean="0">
-                <a:latin typeface="Arial" panose="020B0604020202020204" pitchFamily="34" charset="0"/>
-                <a:cs typeface="Arial" panose="020B0604020202020204" pitchFamily="34" charset="0"/>
-              </a:rPr>
-              <a:t>数据</a:t>
-            </a:r>
-            <a:r>
-              <a:rPr lang="zh-CN" altLang="en-US" dirty="0" smtClean="0">
-                <a:latin typeface="Arial" panose="020B0604020202020204" pitchFamily="34" charset="0"/>
-                <a:cs typeface="Arial" panose="020B0604020202020204" pitchFamily="34" charset="0"/>
-              </a:rPr>
-              <a:t>传输</a:t>
-            </a:r>
-            <a:r>
-              <a:rPr lang="en-US" altLang="zh-CN" dirty="0" smtClean="0">
-                <a:latin typeface="Arial" panose="020B0604020202020204" pitchFamily="34" charset="0"/>
-                <a:cs typeface="Arial" panose="020B0604020202020204" pitchFamily="34" charset="0"/>
-              </a:rPr>
-              <a:t>——</a:t>
-            </a:r>
-            <a:r>
-              <a:rPr lang="zh-CN" altLang="en-US" dirty="0" smtClean="0">
-                <a:latin typeface="Arial" panose="020B0604020202020204" pitchFamily="34" charset="0"/>
-                <a:cs typeface="Arial" panose="020B0604020202020204" pitchFamily="34" charset="0"/>
-              </a:rPr>
-              <a:t>网络化现场管理</a:t>
-            </a:r>
-            <a:r>
-              <a:rPr lang="en-US" altLang="zh-CN" dirty="0" smtClean="0">
-                <a:latin typeface="Arial" panose="020B0604020202020204" pitchFamily="34" charset="0"/>
-                <a:cs typeface="Arial" panose="020B0604020202020204" pitchFamily="34" charset="0"/>
-              </a:rPr>
-              <a:t>	3’</a:t>
-            </a:r>
-          </a:p>
-          <a:p>
-            <a:pPr lvl="2"/>
-            <a:r>
-              <a:rPr lang="zh-CN" altLang="en-US" dirty="0" smtClean="0">
-                <a:latin typeface="Arial" panose="020B0604020202020204" pitchFamily="34" charset="0"/>
-                <a:cs typeface="Arial" panose="020B0604020202020204" pitchFamily="34" charset="0"/>
-              </a:rPr>
-              <a:t>机床</a:t>
-            </a:r>
-            <a:r>
-              <a:rPr lang="zh-CN" altLang="en-US" dirty="0" smtClean="0">
-                <a:latin typeface="Arial" panose="020B0604020202020204" pitchFamily="34" charset="0"/>
-                <a:cs typeface="Arial" panose="020B0604020202020204" pitchFamily="34" charset="0"/>
-              </a:rPr>
-              <a:t>初始化配置</a:t>
+              <a:t>机床初始化配置</a:t>
             </a:r>
             <a:r>
               <a:rPr lang="en-US" altLang="zh-CN" dirty="0" smtClean="0">
@@ -4431,11 +4358,7 @@
             </a:r>
             <a:r>
               <a:rPr lang="zh-CN" altLang="en-US" dirty="0" smtClean="0"/>
-              <a:t>三轴精雕机床</a:t>
-            </a:r>
-            <a:r>
-              <a:rPr lang="zh-CN" altLang="en-US" dirty="0" smtClean="0"/>
-              <a:t>加工</a:t>
+              <a:t>三轴精雕机床加工</a:t>
             </a:r>
             <a:r>
               <a:rPr lang="en-US" altLang="zh-CN" dirty="0" smtClean="0"/>
@@ -5486,11 +5409,7 @@
           <a:p>
             <a:r>
               <a:rPr lang="zh-CN" altLang="en-US" dirty="0" smtClean="0"/>
-              <a:t>安全</a:t>
-            </a:r>
-            <a:r>
-              <a:rPr lang="zh-CN" altLang="en-US" dirty="0" smtClean="0"/>
-              <a:t>使用规范</a:t>
+              <a:t>安全使用规范</a:t>
             </a:r>
             <a:endParaRPr lang="zh-CN" altLang="en-US" dirty="0"/>
           </a:p>
@@ -5748,15 +5667,7 @@
                   <a:srgbClr val="FF0000"/>
                 </a:solidFill>
               </a:rPr>
-              <a:t>主轴</a:t>
-            </a:r>
-            <a:r>
-              <a:rPr lang="zh-CN" altLang="en-US" dirty="0" smtClean="0">
-                <a:solidFill>
-                  <a:srgbClr val="FF0000"/>
-                </a:solidFill>
-              </a:rPr>
-              <a:t>运转时，操作台推拉门必须关闭！</a:t>
+              <a:t>主轴运转时，操作台推拉门必须关闭！</a:t>
             </a:r>
             <a:endParaRPr lang="en-US" altLang="zh-CN" dirty="0" smtClean="0">
               <a:solidFill>
@@ -5827,11 +5738,7 @@
             </a:r>
             <a:r>
               <a:rPr lang="zh-CN" altLang="en-US" dirty="0" smtClean="0"/>
-              <a:t>指令时，必须先进行手轮试切，再点击取消试程序自动</a:t>
-            </a:r>
-            <a:r>
-              <a:rPr lang="zh-CN" altLang="en-US" dirty="0" smtClean="0"/>
-              <a:t>运行</a:t>
+              <a:t>指令时，必须先进行手轮试切，再点击取消试程序自动运行</a:t>
             </a:r>
             <a:endParaRPr lang="en-US" altLang="zh-CN" dirty="0" smtClean="0"/>
           </a:p>
@@ -5986,14 +5893,7 @@
                 <a:latin typeface="Arial" panose="020B0604020202020204" pitchFamily="34" charset="0"/>
                 <a:cs typeface="Arial" panose="020B0604020202020204" pitchFamily="34" charset="0"/>
               </a:rPr>
-              <a:t>零件</a:t>
-            </a:r>
-            <a:r>
-              <a:rPr lang="zh-CN" altLang="en-US" dirty="0" smtClean="0">
-                <a:latin typeface="Arial" panose="020B0604020202020204" pitchFamily="34" charset="0"/>
-                <a:cs typeface="Arial" panose="020B0604020202020204" pitchFamily="34" charset="0"/>
-              </a:rPr>
-              <a:t>设计</a:t>
+              <a:t>零件设计</a:t>
             </a:r>
             <a:endParaRPr lang="en-US" altLang="zh-CN" dirty="0" smtClean="0">
               <a:latin typeface="Arial" panose="020B0604020202020204" pitchFamily="34" charset="0"/>
@@ -6007,7 +5907,14 @@
                 <a:latin typeface="Arial" panose="020B0604020202020204" pitchFamily="34" charset="0"/>
                 <a:cs typeface="Arial" panose="020B0604020202020204" pitchFamily="34" charset="0"/>
               </a:rPr>
-              <a:t>选择合适的软件进行建模</a:t>
+              <a:t>选择合适的软件进行</a:t>
+            </a:r>
+            <a:r>
+              <a:rPr lang="zh-CN" altLang="en-US" dirty="0" smtClean="0">
+                <a:latin typeface="Arial" panose="020B0604020202020204" pitchFamily="34" charset="0"/>
+                <a:cs typeface="Arial" panose="020B0604020202020204" pitchFamily="34" charset="0"/>
+              </a:rPr>
+              <a:t>建模</a:t>
             </a:r>
             <a:endParaRPr lang="en-US" altLang="zh-CN" dirty="0" smtClean="0">
               <a:latin typeface="Arial" panose="020B0604020202020204" pitchFamily="34" charset="0"/>
@@ -6017,18 +5924,49 @@
           <a:p>
             <a:pPr lvl="1"/>
             <a:r>
+              <a:rPr lang="en-US" altLang="zh-CN" dirty="0" smtClean="0">
+                <a:latin typeface="Arial" panose="020B0604020202020204" pitchFamily="34" charset="0"/>
+                <a:cs typeface="Arial" panose="020B0604020202020204" pitchFamily="34" charset="0"/>
+              </a:rPr>
+              <a:t>3D</a:t>
+            </a:r>
+            <a:r>
               <a:rPr lang="zh-CN" altLang="en-US" dirty="0" smtClean="0">
                 <a:latin typeface="Arial" panose="020B0604020202020204" pitchFamily="34" charset="0"/>
                 <a:cs typeface="Arial" panose="020B0604020202020204" pitchFamily="34" charset="0"/>
               </a:rPr>
-              <a:t>选择</a:t>
+              <a:t>环境中线框建模完成后，</a:t>
             </a:r>
             <a:r>
               <a:rPr lang="zh-CN" altLang="en-US" dirty="0" smtClean="0">
-                <a:latin typeface="Arial" panose="020B0604020202020204" pitchFamily="34" charset="0"/>
-                <a:cs typeface="Arial" panose="020B0604020202020204" pitchFamily="34" charset="0"/>
-              </a:rPr>
-              <a:t>合适的刀具，并将路径间距与刀具几何尺寸匹配进行设置</a:t>
+                <a:solidFill>
+                  <a:srgbClr val="FF0000"/>
+                </a:solidFill>
+                <a:latin typeface="Arial" panose="020B0604020202020204" pitchFamily="34" charset="0"/>
+                <a:cs typeface="Arial" panose="020B0604020202020204" pitchFamily="34" charset="0"/>
+              </a:rPr>
+              <a:t>必须将图形聚中</a:t>
+            </a:r>
+            <a:r>
+              <a:rPr lang="zh-CN" altLang="en-US" dirty="0" smtClean="0">
+                <a:latin typeface="Arial" panose="020B0604020202020204" pitchFamily="34" charset="0"/>
+                <a:cs typeface="Arial" panose="020B0604020202020204" pitchFamily="34" charset="0"/>
+              </a:rPr>
+              <a:t>（变换菜单</a:t>
+            </a:r>
+            <a:r>
+              <a:rPr lang="en-US" altLang="zh-CN" dirty="0" smtClean="0">
+                <a:latin typeface="Arial" panose="020B0604020202020204" pitchFamily="34" charset="0"/>
+                <a:cs typeface="Arial" panose="020B0604020202020204" pitchFamily="34" charset="0"/>
+              </a:rPr>
+              <a:t>-</a:t>
+            </a:r>
+            <a:r>
+              <a:rPr lang="zh-CN" altLang="en-US" dirty="0" smtClean="0">
+                <a:latin typeface="Arial" panose="020B0604020202020204" pitchFamily="34" charset="0"/>
+                <a:cs typeface="Arial" panose="020B0604020202020204" pitchFamily="34" charset="0"/>
+              </a:rPr>
+              <a:t>图形聚中）</a:t>
             </a:r>
             <a:endParaRPr lang="en-US" altLang="zh-CN" dirty="0" smtClean="0">
               <a:latin typeface="Arial" panose="020B0604020202020204" pitchFamily="34" charset="0"/>
@@ -6042,10 +5980,37 @@
                 <a:latin typeface="Arial" panose="020B0604020202020204" pitchFamily="34" charset="0"/>
                 <a:cs typeface="Arial" panose="020B0604020202020204" pitchFamily="34" charset="0"/>
               </a:rPr>
-              <a:t>刀路生成时需要在机床设置信息里选择</a:t>
+              <a:t>选择合适的刀具，并将路径间距与刀具几何尺寸匹配进行设置</a:t>
+            </a:r>
+            <a:endParaRPr lang="en-US" altLang="zh-CN" dirty="0" smtClean="0">
+              <a:latin typeface="Arial" panose="020B0604020202020204" pitchFamily="34" charset="0"/>
+              <a:cs typeface="Arial" panose="020B0604020202020204" pitchFamily="34" charset="0"/>
+            </a:endParaRPr>
+          </a:p>
+          <a:p>
+            <a:pPr lvl="1"/>
+            <a:r>
+              <a:rPr lang="zh-CN" altLang="en-US" dirty="0" smtClean="0">
+                <a:latin typeface="Arial" panose="020B0604020202020204" pitchFamily="34" charset="0"/>
+                <a:cs typeface="Arial" panose="020B0604020202020204" pitchFamily="34" charset="0"/>
+              </a:rPr>
+              <a:t>刀路生成时需要在机床设置信息里</a:t>
+            </a:r>
+            <a:r>
+              <a:rPr lang="zh-CN" altLang="en-US" dirty="0" smtClean="0">
+                <a:solidFill>
+                  <a:srgbClr val="FF0000"/>
+                </a:solidFill>
+                <a:latin typeface="Arial" panose="020B0604020202020204" pitchFamily="34" charset="0"/>
+                <a:cs typeface="Arial" panose="020B0604020202020204" pitchFamily="34" charset="0"/>
+              </a:rPr>
+              <a:t>选择</a:t>
             </a:r>
             <a:r>
               <a:rPr lang="en-US" altLang="zh-CN" dirty="0" smtClean="0">
+                <a:solidFill>
+                  <a:srgbClr val="FF0000"/>
+                </a:solidFill>
                 <a:latin typeface="Arial" panose="020B0604020202020204" pitchFamily="34" charset="0"/>
                 <a:cs typeface="Arial" panose="020B0604020202020204" pitchFamily="34" charset="0"/>
               </a:rPr>
@@ -6056,16 +6021,22 @@
                 <a:latin typeface="Arial" panose="020B0604020202020204" pitchFamily="34" charset="0"/>
                 <a:cs typeface="Arial" panose="020B0604020202020204" pitchFamily="34" charset="0"/>
               </a:rPr>
-              <a:t>系统，并取消输出</a:t>
+              <a:t>系统，并</a:t>
             </a:r>
             <a:r>
               <a:rPr lang="zh-CN" altLang="en-US" dirty="0" smtClean="0">
-                <a:latin typeface="Arial" panose="020B0604020202020204" pitchFamily="34" charset="0"/>
-                <a:cs typeface="Arial" panose="020B0604020202020204" pitchFamily="34" charset="0"/>
-              </a:rPr>
-              <a:t>样条</a:t>
+                <a:solidFill>
+                  <a:srgbClr val="FF0000"/>
+                </a:solidFill>
+                <a:latin typeface="Arial" panose="020B0604020202020204" pitchFamily="34" charset="0"/>
+                <a:cs typeface="Arial" panose="020B0604020202020204" pitchFamily="34" charset="0"/>
+              </a:rPr>
+              <a:t>取消输出样条</a:t>
             </a:r>
             <a:endParaRPr lang="en-US" altLang="zh-CN" dirty="0" smtClean="0">
+              <a:solidFill>
+                <a:srgbClr val="FF0000"/>
+              </a:solidFill>
               <a:latin typeface="Arial" panose="020B0604020202020204" pitchFamily="34" charset="0"/>
               <a:cs typeface="Arial" panose="020B0604020202020204" pitchFamily="34" charset="0"/>
             </a:endParaRPr>
